--- a/14_SupervisedLearning.pptx
+++ b/14_SupervisedLearning.pptx
@@ -5,7 +5,7 @@
     <p:sldMasterId id="2147483648" r:id="rId1"/>
   </p:sldMasterIdLst>
   <p:notesMasterIdLst>
-    <p:notesMasterId r:id="rId14"/>
+    <p:notesMasterId r:id="rId15"/>
   </p:notesMasterIdLst>
   <p:sldIdLst>
     <p:sldId id="256" r:id="rId2"/>
@@ -17,9 +17,10 @@
     <p:sldId id="286" r:id="rId8"/>
     <p:sldId id="287" r:id="rId9"/>
     <p:sldId id="288" r:id="rId10"/>
-    <p:sldId id="274" r:id="rId11"/>
-    <p:sldId id="281" r:id="rId12"/>
-    <p:sldId id="259" r:id="rId13"/>
+    <p:sldId id="289" r:id="rId11"/>
+    <p:sldId id="274" r:id="rId12"/>
+    <p:sldId id="281" r:id="rId13"/>
+    <p:sldId id="259" r:id="rId14"/>
   </p:sldIdLst>
   <p:sldSz cx="9144000" cy="6858000" type="screen4x3"/>
   <p:notesSz cx="6858000" cy="9144000"/>
@@ -220,7 +221,7 @@
             <a:fld id="{6837EDA8-41C8-4B24-A206-13C08A65A6D7}" type="datetimeFigureOut">
               <a:rPr lang="zh-TW" altLang="en-US" smtClean="0"/>
               <a:pPr/>
-              <a:t>2020/6/4</a:t>
+              <a:t>2020/6/6</a:t>
             </a:fld>
             <a:endParaRPr lang="zh-TW" altLang="en-US"/>
           </a:p>
@@ -673,7 +674,7 @@
             <a:fld id="{8B85509C-BD4F-47BF-9B1E-FC2E949B3621}" type="datetime1">
               <a:rPr lang="zh-TW" altLang="en-US" smtClean="0"/>
               <a:pPr/>
-              <a:t>2020/6/4</a:t>
+              <a:t>2020/6/6</a:t>
             </a:fld>
             <a:endParaRPr lang="zh-TW" altLang="en-US"/>
           </a:p>
@@ -846,7 +847,7 @@
             <a:fld id="{42251B24-F787-4C15-8A0F-7AEC20C70069}" type="datetime1">
               <a:rPr lang="zh-TW" altLang="en-US" smtClean="0"/>
               <a:pPr/>
-              <a:t>2020/6/4</a:t>
+              <a:t>2020/6/6</a:t>
             </a:fld>
             <a:endParaRPr lang="zh-TW" altLang="en-US"/>
           </a:p>
@@ -1021,7 +1022,7 @@
             <a:fld id="{9CA0D33C-CE2B-45F1-B8D4-FFD1F131F331}" type="datetime1">
               <a:rPr lang="zh-TW" altLang="en-US" smtClean="0"/>
               <a:pPr/>
-              <a:t>2020/6/4</a:t>
+              <a:t>2020/6/6</a:t>
             </a:fld>
             <a:endParaRPr lang="zh-TW" altLang="en-US"/>
           </a:p>
@@ -1186,7 +1187,7 @@
             <a:fld id="{50B99440-D9EF-40CC-9B52-F6428D9B2C76}" type="datetime1">
               <a:rPr lang="zh-TW" altLang="en-US" smtClean="0"/>
               <a:pPr/>
-              <a:t>2020/6/4</a:t>
+              <a:t>2020/6/6</a:t>
             </a:fld>
             <a:endParaRPr lang="zh-TW" altLang="en-US"/>
           </a:p>
@@ -1428,7 +1429,7 @@
             <a:fld id="{0871BF52-5C6C-4959-8E27-CECB68D39FE4}" type="datetime1">
               <a:rPr lang="zh-TW" altLang="en-US" smtClean="0"/>
               <a:pPr/>
-              <a:t>2020/6/4</a:t>
+              <a:t>2020/6/6</a:t>
             </a:fld>
             <a:endParaRPr lang="zh-TW" altLang="en-US"/>
           </a:p>
@@ -1710,7 +1711,7 @@
             <a:fld id="{DF863F05-2DD9-4EB1-A827-12FD992DE9DC}" type="datetime1">
               <a:rPr lang="zh-TW" altLang="en-US" smtClean="0"/>
               <a:pPr/>
-              <a:t>2020/6/4</a:t>
+              <a:t>2020/6/6</a:t>
             </a:fld>
             <a:endParaRPr lang="zh-TW" altLang="en-US"/>
           </a:p>
@@ -2126,7 +2127,7 @@
             <a:fld id="{6339AF51-4491-4873-A096-75DB6CE47516}" type="datetime1">
               <a:rPr lang="zh-TW" altLang="en-US" smtClean="0"/>
               <a:pPr/>
-              <a:t>2020/6/4</a:t>
+              <a:t>2020/6/6</a:t>
             </a:fld>
             <a:endParaRPr lang="zh-TW" altLang="en-US"/>
           </a:p>
@@ -2240,7 +2241,7 @@
             <a:fld id="{EE4AD9C8-8B9E-40FF-ABE2-858AC2057BBB}" type="datetime1">
               <a:rPr lang="zh-TW" altLang="en-US" smtClean="0"/>
               <a:pPr/>
-              <a:t>2020/6/4</a:t>
+              <a:t>2020/6/6</a:t>
             </a:fld>
             <a:endParaRPr lang="zh-TW" altLang="en-US"/>
           </a:p>
@@ -2332,7 +2333,7 @@
             <a:fld id="{B4784999-BBBE-4BE4-A8D0-877E7D1D66CC}" type="datetime1">
               <a:rPr lang="zh-TW" altLang="en-US" smtClean="0"/>
               <a:pPr/>
-              <a:t>2020/6/4</a:t>
+              <a:t>2020/6/6</a:t>
             </a:fld>
             <a:endParaRPr lang="zh-TW" altLang="en-US"/>
           </a:p>
@@ -2604,7 +2605,7 @@
             <a:fld id="{E88D17E6-02BD-4944-B9FE-7BFCCBF83D48}" type="datetime1">
               <a:rPr lang="zh-TW" altLang="en-US" smtClean="0"/>
               <a:pPr/>
-              <a:t>2020/6/4</a:t>
+              <a:t>2020/6/6</a:t>
             </a:fld>
             <a:endParaRPr lang="zh-TW" altLang="en-US"/>
           </a:p>
@@ -2853,7 +2854,7 @@
             <a:fld id="{3C13E23D-1FEF-4D78-A3A3-3D6F2BB31954}" type="datetime1">
               <a:rPr lang="zh-TW" altLang="en-US" smtClean="0"/>
               <a:pPr/>
-              <a:t>2020/6/4</a:t>
+              <a:t>2020/6/6</a:t>
             </a:fld>
             <a:endParaRPr lang="zh-TW" altLang="en-US"/>
           </a:p>
@@ -3061,7 +3062,7 @@
             <a:fld id="{06197F35-AD6F-4594-8B50-334492D2E7E8}" type="datetime1">
               <a:rPr lang="zh-TW" altLang="en-US" smtClean="0"/>
               <a:pPr/>
-              <a:t>2020/6/4</a:t>
+              <a:t>2020/6/6</a:t>
             </a:fld>
             <a:endParaRPr lang="zh-TW" altLang="en-US"/>
           </a:p>
@@ -3522,7 +3523,7 @@
             <a:fld id="{C389EDC9-19E3-47AC-9C57-C6A24DEA81AD}" type="datetime1">
               <a:rPr lang="zh-TW" altLang="en-US" smtClean="0"/>
               <a:pPr/>
-              <a:t>2020/6/4</a:t>
+              <a:t>2020/6/6</a:t>
             </a:fld>
             <a:endParaRPr lang="zh-TW" altLang="en-US"/>
           </a:p>
@@ -3636,6 +3637,457 @@
         </p:nvSpPr>
         <p:spPr>
           <a:xfrm>
+            <a:off x="0" y="1"/>
+            <a:ext cx="9144000" cy="764704"/>
+          </a:xfrm>
+          <a:gradFill flip="none" rotWithShape="1">
+            <a:gsLst>
+              <a:gs pos="0">
+                <a:srgbClr val="C00000">
+                  <a:shade val="30000"/>
+                  <a:satMod val="115000"/>
+                </a:srgbClr>
+              </a:gs>
+              <a:gs pos="50000">
+                <a:srgbClr val="C00000">
+                  <a:shade val="67500"/>
+                  <a:satMod val="115000"/>
+                </a:srgbClr>
+              </a:gs>
+              <a:gs pos="100000">
+                <a:srgbClr val="C00000">
+                  <a:shade val="100000"/>
+                  <a:satMod val="115000"/>
+                </a:srgbClr>
+              </a:gs>
+            </a:gsLst>
+            <a:path path="circle">
+              <a:fillToRect t="100000" r="100000"/>
+            </a:path>
+            <a:tileRect l="-100000" b="-100000"/>
+          </a:gradFill>
+        </p:spPr>
+        <p:txBody>
+          <a:bodyPr>
+            <a:normAutofit/>
+          </a:bodyPr>
+          <a:lstStyle/>
+          <a:p>
+            <a:pPr algn="l"/>
+            <a:r>
+              <a:rPr lang="en-US" altLang="zh-TW" b="1" dirty="0">
+                <a:solidFill>
+                  <a:srgbClr val="FFFF00"/>
+                </a:solidFill>
+              </a:rPr>
+              <a:t>14 Supervised Learning</a:t>
+            </a:r>
+            <a:endParaRPr lang="zh-TW" altLang="en-US" b="1" dirty="0">
+              <a:solidFill>
+                <a:srgbClr val="FFFF00"/>
+              </a:solidFill>
+            </a:endParaRPr>
+          </a:p>
+        </p:txBody>
+      </p:sp>
+      <p:sp>
+        <p:nvSpPr>
+          <p:cNvPr id="3" name="副標題 2"/>
+          <p:cNvSpPr>
+            <a:spLocks noGrp="1"/>
+          </p:cNvSpPr>
+          <p:nvPr>
+            <p:ph type="subTitle" idx="1"/>
+          </p:nvPr>
+        </p:nvSpPr>
+        <p:spPr>
+          <a:xfrm>
+            <a:off x="457200" y="1228464"/>
+            <a:ext cx="4419600" cy="430554"/>
+          </a:xfrm>
+          <a:ln>
+            <a:solidFill>
+              <a:srgbClr val="C00000"/>
+            </a:solidFill>
+          </a:ln>
+        </p:spPr>
+        <p:txBody>
+          <a:bodyPr>
+            <a:noAutofit/>
+          </a:bodyPr>
+          <a:lstStyle/>
+          <a:p>
+            <a:pPr marL="342900" indent="-342900" algn="l">
+              <a:buClr>
+                <a:srgbClr val="0070C0"/>
+              </a:buClr>
+              <a:buSzPct val="80000"/>
+              <a:buFont typeface="Wingdings" pitchFamily="2" charset="2"/>
+              <a:buChar char="u"/>
+            </a:pPr>
+            <a:r>
+              <a:rPr lang="en-US" altLang="en-US" sz="1800" b="1" dirty="0">
+                <a:solidFill>
+                  <a:schemeClr val="tx1"/>
+                </a:solidFill>
+                <a:latin typeface="montserrat"/>
+              </a:rPr>
+              <a:t>Supervised Learning </a:t>
+            </a:r>
+            <a:r>
+              <a:rPr lang="en-US" altLang="en-US" sz="1800" b="1" dirty="0" err="1">
+                <a:solidFill>
+                  <a:schemeClr val="tx1"/>
+                </a:solidFill>
+                <a:latin typeface="montserrat"/>
+              </a:rPr>
+              <a:t>Keras</a:t>
+            </a:r>
+            <a:r>
+              <a:rPr lang="en-US" altLang="en-US" sz="1800" b="1" dirty="0">
+                <a:solidFill>
+                  <a:schemeClr val="tx1"/>
+                </a:solidFill>
+                <a:latin typeface="montserrat"/>
+              </a:rPr>
+              <a:t> Code:</a:t>
+            </a:r>
+            <a:endParaRPr lang="en-US" altLang="en-US" sz="1800" dirty="0">
+              <a:solidFill>
+                <a:schemeClr val="tx1"/>
+              </a:solidFill>
+              <a:latin typeface="Arial" panose="020B0604020202020204" pitchFamily="34" charset="0"/>
+            </a:endParaRPr>
+          </a:p>
+        </p:txBody>
+      </p:sp>
+      <p:sp>
+        <p:nvSpPr>
+          <p:cNvPr id="4" name="標題 1"/>
+          <p:cNvSpPr txBox="1">
+            <a:spLocks/>
+          </p:cNvSpPr>
+          <p:nvPr/>
+        </p:nvSpPr>
+        <p:spPr>
+          <a:xfrm>
+            <a:off x="0" y="764704"/>
+            <a:ext cx="9144000" cy="360040"/>
+          </a:xfrm>
+          <a:prstGeom prst="rect">
+            <a:avLst/>
+          </a:prstGeom>
+          <a:gradFill flip="none" rotWithShape="1">
+            <a:gsLst>
+              <a:gs pos="0">
+                <a:srgbClr val="00B0F0">
+                  <a:shade val="30000"/>
+                  <a:satMod val="115000"/>
+                </a:srgbClr>
+              </a:gs>
+              <a:gs pos="50000">
+                <a:srgbClr val="00B0F0">
+                  <a:shade val="67500"/>
+                  <a:satMod val="115000"/>
+                </a:srgbClr>
+              </a:gs>
+              <a:gs pos="100000">
+                <a:srgbClr val="00B0F0">
+                  <a:shade val="100000"/>
+                  <a:satMod val="115000"/>
+                </a:srgbClr>
+              </a:gs>
+            </a:gsLst>
+            <a:path path="circle">
+              <a:fillToRect t="100000" r="100000"/>
+            </a:path>
+            <a:tileRect l="-100000" b="-100000"/>
+          </a:gradFill>
+        </p:spPr>
+        <p:txBody>
+          <a:bodyPr vert="horz" lIns="91440" tIns="45720" rIns="91440" bIns="45720" rtlCol="0" anchor="ctr">
+            <a:normAutofit fontScale="92500"/>
+          </a:bodyPr>
+          <a:lstStyle/>
+          <a:p>
+            <a:pPr lvl="0">
+              <a:spcBef>
+                <a:spcPct val="0"/>
+              </a:spcBef>
+            </a:pPr>
+            <a:r>
+              <a:rPr lang="en-US" sz="1600" dirty="0">
+                <a:hlinkClick r:id="rId2"/>
+              </a:rPr>
+              <a:t>https://www.youtube.com/watch?v=Quh6x4kG6VY&amp;list=PLZbbT5o_s2xq7LwI2y8_QtvuXZedL6tQU&amp;index=14</a:t>
+            </a:r>
+            <a:endParaRPr kumimoji="0" lang="zh-TW" altLang="en-US" sz="1600" b="0" i="0" u="none" strike="noStrike" kern="1200" cap="none" spc="0" normalizeH="0" baseline="0" noProof="0" dirty="0">
+              <a:ln>
+                <a:noFill/>
+              </a:ln>
+              <a:solidFill>
+                <a:schemeClr val="tx1"/>
+              </a:solidFill>
+              <a:effectLst/>
+              <a:uLnTx/>
+              <a:uFillTx/>
+              <a:latin typeface="+mj-lt"/>
+              <a:ea typeface="+mj-ea"/>
+              <a:cs typeface="+mj-cs"/>
+            </a:endParaRPr>
+          </a:p>
+        </p:txBody>
+      </p:sp>
+      <p:sp>
+        <p:nvSpPr>
+          <p:cNvPr id="5" name="日期版面配置區 4"/>
+          <p:cNvSpPr>
+            <a:spLocks noGrp="1"/>
+          </p:cNvSpPr>
+          <p:nvPr>
+            <p:ph type="dt" sz="half" idx="10"/>
+          </p:nvPr>
+        </p:nvSpPr>
+        <p:spPr/>
+        <p:txBody>
+          <a:bodyPr/>
+          <a:lstStyle/>
+          <a:p>
+            <a:fld id="{A4F910E6-8D00-4BAF-8C48-9688E0B449D3}" type="datetime1">
+              <a:rPr lang="zh-TW" altLang="en-US" smtClean="0"/>
+              <a:pPr/>
+              <a:t>2020/6/6</a:t>
+            </a:fld>
+            <a:endParaRPr lang="zh-TW" altLang="en-US"/>
+          </a:p>
+        </p:txBody>
+      </p:sp>
+      <p:sp>
+        <p:nvSpPr>
+          <p:cNvPr id="6" name="投影片編號版面配置區 5"/>
+          <p:cNvSpPr>
+            <a:spLocks noGrp="1"/>
+          </p:cNvSpPr>
+          <p:nvPr>
+            <p:ph type="sldNum" sz="quarter" idx="12"/>
+          </p:nvPr>
+        </p:nvSpPr>
+        <p:spPr/>
+        <p:txBody>
+          <a:bodyPr/>
+          <a:lstStyle/>
+          <a:p>
+            <a:fld id="{E4D7E63D-91F2-4366-A2C4-1B00C9E2590E}" type="slidenum">
+              <a:rPr lang="zh-TW" altLang="en-US" smtClean="0"/>
+              <a:pPr/>
+              <a:t>10</a:t>
+            </a:fld>
+            <a:endParaRPr lang="zh-TW" altLang="en-US"/>
+          </a:p>
+        </p:txBody>
+      </p:sp>
+      <p:sp>
+        <p:nvSpPr>
+          <p:cNvPr id="9" name="AutoShape 2" descr="sigmoid function graph from wikipedia">
+            <a:extLst>
+              <a:ext uri="{FF2B5EF4-FFF2-40B4-BE49-F238E27FC236}">
+                <a16:creationId xmlns:a16="http://schemas.microsoft.com/office/drawing/2014/main" id="{A311E718-FAFB-4335-A102-364AE2E5A11E}"/>
+              </a:ext>
+            </a:extLst>
+          </p:cNvPr>
+          <p:cNvSpPr>
+            <a:spLocks noChangeAspect="1" noChangeArrowheads="1"/>
+          </p:cNvSpPr>
+          <p:nvPr/>
+        </p:nvSpPr>
+        <p:spPr bwMode="auto">
+          <a:xfrm>
+            <a:off x="4724400" y="5013176"/>
+            <a:ext cx="304800" cy="304800"/>
+          </a:xfrm>
+          <a:prstGeom prst="rect">
+            <a:avLst/>
+          </a:prstGeom>
+          <a:noFill/>
+          <a:extLst>
+            <a:ext uri="{909E8E84-426E-40DD-AFC4-6F175D3DCCD1}">
+              <a14:hiddenFill xmlns:a14="http://schemas.microsoft.com/office/drawing/2010/main">
+                <a:solidFill>
+                  <a:srgbClr val="FFFFFF"/>
+                </a:solidFill>
+              </a14:hiddenFill>
+            </a:ext>
+          </a:extLst>
+        </p:spPr>
+        <p:txBody>
+          <a:bodyPr vert="horz" wrap="square" lIns="91440" tIns="45720" rIns="91440" bIns="45720" numCol="1" anchor="t" anchorCtr="0" compatLnSpc="1">
+            <a:prstTxWarp prst="textNoShape">
+              <a:avLst/>
+            </a:prstTxWarp>
+          </a:bodyPr>
+          <a:lstStyle/>
+          <a:p>
+            <a:endParaRPr lang="en-US"/>
+          </a:p>
+        </p:txBody>
+      </p:sp>
+      <p:sp>
+        <p:nvSpPr>
+          <p:cNvPr id="10" name="AutoShape 4" descr="sigmoid function graph from wikipedia">
+            <a:extLst>
+              <a:ext uri="{FF2B5EF4-FFF2-40B4-BE49-F238E27FC236}">
+                <a16:creationId xmlns:a16="http://schemas.microsoft.com/office/drawing/2014/main" id="{7884B138-9100-4946-A189-4522F878DA8C}"/>
+              </a:ext>
+            </a:extLst>
+          </p:cNvPr>
+          <p:cNvSpPr>
+            <a:spLocks noChangeAspect="1" noChangeArrowheads="1"/>
+          </p:cNvSpPr>
+          <p:nvPr/>
+        </p:nvSpPr>
+        <p:spPr bwMode="auto">
+          <a:xfrm>
+            <a:off x="4572000" y="3429000"/>
+            <a:ext cx="304800" cy="304800"/>
+          </a:xfrm>
+          <a:prstGeom prst="rect">
+            <a:avLst/>
+          </a:prstGeom>
+          <a:noFill/>
+          <a:extLst>
+            <a:ext uri="{909E8E84-426E-40DD-AFC4-6F175D3DCCD1}">
+              <a14:hiddenFill xmlns:a14="http://schemas.microsoft.com/office/drawing/2010/main">
+                <a:solidFill>
+                  <a:srgbClr val="FFFFFF"/>
+                </a:solidFill>
+              </a14:hiddenFill>
+            </a:ext>
+          </a:extLst>
+        </p:spPr>
+        <p:txBody>
+          <a:bodyPr vert="horz" wrap="square" lIns="91440" tIns="45720" rIns="91440" bIns="45720" numCol="1" anchor="t" anchorCtr="0" compatLnSpc="1">
+            <a:prstTxWarp prst="textNoShape">
+              <a:avLst/>
+            </a:prstTxWarp>
+          </a:bodyPr>
+          <a:lstStyle/>
+          <a:p>
+            <a:endParaRPr lang="en-US"/>
+          </a:p>
+        </p:txBody>
+      </p:sp>
+      <p:pic>
+        <p:nvPicPr>
+          <p:cNvPr id="11" name="Picture 10">
+            <a:extLst>
+              <a:ext uri="{FF2B5EF4-FFF2-40B4-BE49-F238E27FC236}">
+                <a16:creationId xmlns:a16="http://schemas.microsoft.com/office/drawing/2014/main" id="{7134CB06-523E-41A1-84D9-33D7ED3ADED2}"/>
+              </a:ext>
+            </a:extLst>
+          </p:cNvPr>
+          <p:cNvPicPr>
+            <a:picLocks noChangeAspect="1"/>
+          </p:cNvPicPr>
+          <p:nvPr/>
+        </p:nvPicPr>
+        <p:blipFill>
+          <a:blip r:embed="rId3"/>
+          <a:stretch>
+            <a:fillRect/>
+          </a:stretch>
+        </p:blipFill>
+        <p:spPr>
+          <a:xfrm>
+            <a:off x="497536" y="1847867"/>
+            <a:ext cx="4186527" cy="3954958"/>
+          </a:xfrm>
+          <a:prstGeom prst="rect">
+            <a:avLst/>
+          </a:prstGeom>
+          <a:ln>
+            <a:solidFill>
+              <a:srgbClr val="C00000"/>
+            </a:solidFill>
+          </a:ln>
+        </p:spPr>
+      </p:pic>
+      <p:pic>
+        <p:nvPicPr>
+          <p:cNvPr id="13" name="Picture 12">
+            <a:extLst>
+              <a:ext uri="{FF2B5EF4-FFF2-40B4-BE49-F238E27FC236}">
+                <a16:creationId xmlns:a16="http://schemas.microsoft.com/office/drawing/2014/main" id="{EF8543F3-FCFE-4425-A0B1-23DF24423782}"/>
+              </a:ext>
+            </a:extLst>
+          </p:cNvPr>
+          <p:cNvPicPr>
+            <a:picLocks noChangeAspect="1"/>
+          </p:cNvPicPr>
+          <p:nvPr/>
+        </p:nvPicPr>
+        <p:blipFill>
+          <a:blip r:embed="rId4"/>
+          <a:stretch>
+            <a:fillRect/>
+          </a:stretch>
+        </p:blipFill>
+        <p:spPr>
+          <a:xfrm>
+            <a:off x="5586702" y="1238250"/>
+            <a:ext cx="3171825" cy="4686300"/>
+          </a:xfrm>
+          <a:prstGeom prst="rect">
+            <a:avLst/>
+          </a:prstGeom>
+          <a:ln>
+            <a:solidFill>
+              <a:srgbClr val="C00000"/>
+            </a:solidFill>
+          </a:ln>
+        </p:spPr>
+      </p:pic>
+    </p:spTree>
+    <p:extLst>
+      <p:ext uri="{BB962C8B-B14F-4D97-AF65-F5344CB8AC3E}">
+        <p14:creationId xmlns:p14="http://schemas.microsoft.com/office/powerpoint/2010/main" val="2881788589"/>
+      </p:ext>
+    </p:extLst>
+  </p:cSld>
+  <p:clrMapOvr>
+    <a:masterClrMapping/>
+  </p:clrMapOvr>
+</p:sld>
+</file>
+
+<file path=ppt/slides/slide11.xml><?xml version="1.0" encoding="utf-8"?>
+<p:sld xmlns:a="http://schemas.openxmlformats.org/drawingml/2006/main" xmlns:r="http://schemas.openxmlformats.org/officeDocument/2006/relationships" xmlns:p="http://schemas.openxmlformats.org/presentationml/2006/main">
+  <p:cSld>
+    <p:spTree>
+      <p:nvGrpSpPr>
+        <p:cNvPr id="1" name=""/>
+        <p:cNvGrpSpPr/>
+        <p:nvPr/>
+      </p:nvGrpSpPr>
+      <p:grpSpPr>
+        <a:xfrm>
+          <a:off x="0" y="0"/>
+          <a:ext cx="0" cy="0"/>
+          <a:chOff x="0" y="0"/>
+          <a:chExt cx="0" cy="0"/>
+        </a:xfrm>
+      </p:grpSpPr>
+      <p:sp>
+        <p:nvSpPr>
+          <p:cNvPr id="2" name="標題 1"/>
+          <p:cNvSpPr>
+            <a:spLocks noGrp="1"/>
+          </p:cNvSpPr>
+          <p:nvPr>
+            <p:ph type="ctrTitle"/>
+          </p:nvPr>
+        </p:nvSpPr>
+        <p:spPr>
+          <a:xfrm>
             <a:off x="0" y="2175162"/>
             <a:ext cx="9144000" cy="1470025"/>
           </a:xfrm>
@@ -3683,7 +4135,7 @@
             <a:fld id="{C389EDC9-19E3-47AC-9C57-C6A24DEA81AD}" type="datetime1">
               <a:rPr lang="zh-TW" altLang="en-US" smtClean="0"/>
               <a:pPr/>
-              <a:t>2020/6/4</a:t>
+              <a:t>2020/6/6</a:t>
             </a:fld>
             <a:endParaRPr lang="zh-TW" altLang="en-US"/>
           </a:p>
@@ -3707,7 +4159,7 @@
             <a:fld id="{E4D7E63D-91F2-4366-A2C4-1B00C9E2590E}" type="slidenum">
               <a:rPr lang="zh-TW" altLang="en-US" smtClean="0"/>
               <a:pPr/>
-              <a:t>10</a:t>
+              <a:t>11</a:t>
             </a:fld>
             <a:endParaRPr lang="zh-TW" altLang="en-US"/>
           </a:p>
@@ -3773,7 +4225,7 @@
 </p:sld>
 </file>
 
-<file path=ppt/slides/slide11.xml><?xml version="1.0" encoding="utf-8"?>
+<file path=ppt/slides/slide12.xml><?xml version="1.0" encoding="utf-8"?>
 <p:sld xmlns:a="http://schemas.openxmlformats.org/drawingml/2006/main" xmlns:r="http://schemas.openxmlformats.org/officeDocument/2006/relationships" xmlns:p="http://schemas.openxmlformats.org/presentationml/2006/main">
   <p:cSld>
     <p:spTree>
@@ -3937,7 +4389,7 @@
             <a:fld id="{A4F910E6-8D00-4BAF-8C48-9688E0B449D3}" type="datetime1">
               <a:rPr lang="zh-TW" altLang="en-US" smtClean="0"/>
               <a:pPr/>
-              <a:t>2020/6/4</a:t>
+              <a:t>2020/6/6</a:t>
             </a:fld>
             <a:endParaRPr lang="zh-TW" altLang="en-US"/>
           </a:p>
@@ -3961,7 +4413,7 @@
             <a:fld id="{E4D7E63D-91F2-4366-A2C4-1B00C9E2590E}" type="slidenum">
               <a:rPr lang="zh-TW" altLang="en-US" smtClean="0"/>
               <a:pPr/>
-              <a:t>11</a:t>
+              <a:t>12</a:t>
             </a:fld>
             <a:endParaRPr lang="zh-TW" altLang="en-US"/>
           </a:p>
@@ -4270,7 +4722,7 @@
 </p:sld>
 </file>
 
-<file path=ppt/slides/slide12.xml><?xml version="1.0" encoding="utf-8"?>
+<file path=ppt/slides/slide13.xml><?xml version="1.0" encoding="utf-8"?>
 <p:sld xmlns:a="http://schemas.openxmlformats.org/drawingml/2006/main" xmlns:r="http://schemas.openxmlformats.org/officeDocument/2006/relationships" xmlns:p="http://schemas.openxmlformats.org/presentationml/2006/main">
   <p:cSld>
     <p:spTree>
@@ -4369,7 +4821,7 @@
             <a:fld id="{4E46BE27-E923-4EC2-B046-3272AE2A3E5C}" type="datetime1">
               <a:rPr lang="zh-TW" altLang="en-US" smtClean="0"/>
               <a:pPr/>
-              <a:t>2020/6/4</a:t>
+              <a:t>2020/6/6</a:t>
             </a:fld>
             <a:endParaRPr lang="zh-TW" altLang="en-US"/>
           </a:p>
@@ -4393,7 +4845,7 @@
             <a:fld id="{E4D7E63D-91F2-4366-A2C4-1B00C9E2590E}" type="slidenum">
               <a:rPr lang="zh-TW" altLang="en-US" smtClean="0"/>
               <a:pPr/>
-              <a:t>12</a:t>
+              <a:t>13</a:t>
             </a:fld>
             <a:endParaRPr lang="zh-TW" altLang="en-US"/>
           </a:p>
@@ -4771,7 +5223,7 @@
             <a:fld id="{A4F910E6-8D00-4BAF-8C48-9688E0B449D3}" type="datetime1">
               <a:rPr lang="zh-TW" altLang="en-US" smtClean="0"/>
               <a:pPr/>
-              <a:t>2020/6/4</a:t>
+              <a:t>2020/6/6</a:t>
             </a:fld>
             <a:endParaRPr lang="zh-TW" altLang="en-US"/>
           </a:p>
@@ -5268,7 +5720,7 @@
             <a:fld id="{A4F910E6-8D00-4BAF-8C48-9688E0B449D3}" type="datetime1">
               <a:rPr lang="zh-TW" altLang="en-US" smtClean="0"/>
               <a:pPr/>
-              <a:t>2020/6/4</a:t>
+              <a:t>2020/6/6</a:t>
             </a:fld>
             <a:endParaRPr lang="zh-TW" altLang="en-US"/>
           </a:p>
@@ -5814,7 +6266,7 @@
             <a:fld id="{A4F910E6-8D00-4BAF-8C48-9688E0B449D3}" type="datetime1">
               <a:rPr lang="zh-TW" altLang="en-US" smtClean="0"/>
               <a:pPr/>
-              <a:t>2020/6/4</a:t>
+              <a:t>2020/6/6</a:t>
             </a:fld>
             <a:endParaRPr lang="zh-TW" altLang="en-US"/>
           </a:p>
@@ -6518,7 +6970,7 @@
             <a:fld id="{A4F910E6-8D00-4BAF-8C48-9688E0B449D3}" type="datetime1">
               <a:rPr lang="zh-TW" altLang="en-US" smtClean="0"/>
               <a:pPr/>
-              <a:t>2020/6/4</a:t>
+              <a:t>2020/6/6</a:t>
             </a:fld>
             <a:endParaRPr lang="zh-TW" altLang="en-US"/>
           </a:p>
@@ -6913,7 +7365,7 @@
             <a:fld id="{A4F910E6-8D00-4BAF-8C48-9688E0B449D3}" type="datetime1">
               <a:rPr lang="zh-TW" altLang="en-US" smtClean="0"/>
               <a:pPr/>
-              <a:t>2020/6/4</a:t>
+              <a:t>2020/6/6</a:t>
             </a:fld>
             <a:endParaRPr lang="zh-TW" altLang="en-US"/>
           </a:p>
@@ -7367,7 +7819,7 @@
             <a:fld id="{A4F910E6-8D00-4BAF-8C48-9688E0B449D3}" type="datetime1">
               <a:rPr lang="zh-TW" altLang="en-US" smtClean="0"/>
               <a:pPr/>
-              <a:t>2020/6/4</a:t>
+              <a:t>2020/6/6</a:t>
             </a:fld>
             <a:endParaRPr lang="zh-TW" altLang="en-US"/>
           </a:p>
@@ -8213,7 +8665,7 @@
             <a:fld id="{A4F910E6-8D00-4BAF-8C48-9688E0B449D3}" type="datetime1">
               <a:rPr lang="zh-TW" altLang="en-US" smtClean="0"/>
               <a:pPr/>
-              <a:t>2020/6/4</a:t>
+              <a:t>2020/6/6</a:t>
             </a:fld>
             <a:endParaRPr lang="zh-TW" altLang="en-US"/>
           </a:p>
@@ -8799,7 +9251,7 @@
             <a:fld id="{A4F910E6-8D00-4BAF-8C48-9688E0B449D3}" type="datetime1">
               <a:rPr lang="zh-TW" altLang="en-US" smtClean="0"/>
               <a:pPr/>
-              <a:t>2020/6/4</a:t>
+              <a:t>2020/6/6</a:t>
             </a:fld>
             <a:endParaRPr lang="zh-TW" altLang="en-US"/>
           </a:p>
